--- a/slides/ppt/04_Collections.pptx
+++ b/slides/ppt/04_Collections.pptx
@@ -22,8 +22,8 @@
     <p:sldId id="270" r:id="rId16"/>
     <p:sldId id="284" r:id="rId17"/>
     <p:sldId id="332" r:id="rId18"/>
-    <p:sldId id="285" r:id="rId19"/>
-    <p:sldId id="286" r:id="rId20"/>
+    <p:sldId id="286" r:id="rId19"/>
+    <p:sldId id="285" r:id="rId20"/>
     <p:sldId id="324" r:id="rId21"/>
     <p:sldId id="325" r:id="rId22"/>
     <p:sldId id="272" r:id="rId23"/>
@@ -5485,12 +5485,292 @@
       </p:sp>
       <p:sp>
         <p:nvSpPr>
-          <p:cNvPr id="4" name="Text Placeholder 3"/>
+          <p:cNvPr id="3" name="Content Placeholder 2"/>
           <p:cNvSpPr>
             <a:spLocks noGrp="1"/>
           </p:cNvSpPr>
           <p:nvPr>
-            <p:ph idx="1"/>
+            <p:ph sz="half" idx="1"/>
+          </p:nvPr>
+        </p:nvSpPr>
+        <p:spPr/>
+        <p:txBody>
+          <a:bodyPr>
+            <a:noAutofit/>
+          </a:bodyPr>
+          <a:lstStyle/>
+          <a:p>
+            <a:pPr marL="0" indent="0">
+              <a:buNone/>
+            </a:pPr>
+            <a:r>
+              <a:rPr lang="en-US" sz="1400" dirty="0">
+                <a:solidFill>
+                  <a:schemeClr val="accent6">
+                    <a:lumMod val="75000"/>
+                  </a:schemeClr>
+                </a:solidFill>
+                <a:latin typeface="Consolas"/>
+                <a:cs typeface="Consolas"/>
+              </a:rPr>
+              <a:t>List&lt;Car&gt; garage = </a:t>
+            </a:r>
+          </a:p>
+          <a:p>
+            <a:pPr marL="0" indent="0">
+              <a:buNone/>
+            </a:pPr>
+            <a:r>
+              <a:rPr lang="en-US" sz="1400" dirty="0">
+                <a:solidFill>
+                  <a:schemeClr val="accent6">
+                    <a:lumMod val="75000"/>
+                  </a:schemeClr>
+                </a:solidFill>
+                <a:latin typeface="Consolas"/>
+                <a:cs typeface="Consolas"/>
+              </a:rPr>
+              <a:t>new </a:t>
+            </a:r>
+            <a:r>
+              <a:rPr lang="en-US" sz="1400" dirty="0" err="1">
+                <a:solidFill>
+                  <a:schemeClr val="accent6">
+                    <a:lumMod val="75000"/>
+                  </a:schemeClr>
+                </a:solidFill>
+                <a:latin typeface="Consolas"/>
+                <a:cs typeface="Consolas"/>
+              </a:rPr>
+              <a:t>ArrayList</a:t>
+            </a:r>
+            <a:r>
+              <a:rPr lang="en-US" sz="1400" dirty="0">
+                <a:solidFill>
+                  <a:schemeClr val="accent6">
+                    <a:lumMod val="75000"/>
+                  </a:schemeClr>
+                </a:solidFill>
+                <a:latin typeface="Consolas"/>
+                <a:cs typeface="Consolas"/>
+              </a:rPr>
+              <a:t>&lt;Car&gt;();</a:t>
+            </a:r>
+          </a:p>
+          <a:p>
+            <a:pPr marL="0" indent="0">
+              <a:buNone/>
+            </a:pPr>
+            <a:endParaRPr lang="en-US" sz="1400" dirty="0">
+              <a:latin typeface="Consolas"/>
+              <a:cs typeface="Consolas"/>
+            </a:endParaRPr>
+          </a:p>
+          <a:p>
+            <a:pPr marL="0" indent="0">
+              <a:buNone/>
+            </a:pPr>
+            <a:r>
+              <a:rPr lang="en-US" sz="1400" dirty="0" err="1">
+                <a:latin typeface="Consolas"/>
+                <a:cs typeface="Consolas"/>
+              </a:rPr>
+              <a:t>garage.add</a:t>
+            </a:r>
+            <a:r>
+              <a:rPr lang="en-US" sz="1400" dirty="0">
+                <a:latin typeface="Consolas"/>
+                <a:cs typeface="Consolas"/>
+              </a:rPr>
+              <a:t>(new Car());</a:t>
+            </a:r>
+          </a:p>
+          <a:p>
+            <a:pPr marL="0" indent="0">
+              <a:buNone/>
+            </a:pPr>
+            <a:r>
+              <a:rPr lang="en-US" sz="1400" dirty="0" err="1">
+                <a:latin typeface="Consolas"/>
+                <a:cs typeface="Consolas"/>
+              </a:rPr>
+              <a:t>garage.add</a:t>
+            </a:r>
+            <a:r>
+              <a:rPr lang="en-US" sz="1400" dirty="0">
+                <a:latin typeface="Consolas"/>
+                <a:cs typeface="Consolas"/>
+              </a:rPr>
+              <a:t>(new </a:t>
+            </a:r>
+            <a:r>
+              <a:rPr lang="en-US" sz="1400" dirty="0" err="1">
+                <a:latin typeface="Consolas"/>
+                <a:cs typeface="Consolas"/>
+              </a:rPr>
+              <a:t>SDCar</a:t>
+            </a:r>
+            <a:r>
+              <a:rPr lang="en-US" sz="1400" dirty="0">
+                <a:latin typeface="Consolas"/>
+                <a:cs typeface="Consolas"/>
+              </a:rPr>
+              <a:t>());</a:t>
+            </a:r>
+          </a:p>
+          <a:p>
+            <a:pPr marL="0" indent="0">
+              <a:buNone/>
+            </a:pPr>
+            <a:r>
+              <a:rPr lang="en-US" sz="1400" dirty="0" err="1">
+                <a:latin typeface="Consolas"/>
+                <a:cs typeface="Consolas"/>
+              </a:rPr>
+              <a:t>garage.add</a:t>
+            </a:r>
+            <a:r>
+              <a:rPr lang="en-US" sz="1400" dirty="0">
+                <a:latin typeface="Consolas"/>
+                <a:cs typeface="Consolas"/>
+              </a:rPr>
+              <a:t>(new </a:t>
+            </a:r>
+            <a:r>
+              <a:rPr lang="en-US" sz="1400" dirty="0" err="1">
+                <a:latin typeface="Consolas"/>
+                <a:cs typeface="Consolas"/>
+              </a:rPr>
+              <a:t>SDCar</a:t>
+            </a:r>
+            <a:r>
+              <a:rPr lang="en-US" sz="1400" dirty="0">
+                <a:latin typeface="Consolas"/>
+                <a:cs typeface="Consolas"/>
+              </a:rPr>
+              <a:t>());</a:t>
+            </a:r>
+          </a:p>
+          <a:p>
+            <a:pPr marL="0" indent="0">
+              <a:buNone/>
+            </a:pPr>
+            <a:r>
+              <a:rPr lang="en-US" sz="1400" dirty="0" err="1">
+                <a:latin typeface="Consolas"/>
+                <a:cs typeface="Consolas"/>
+              </a:rPr>
+              <a:t>garage.add</a:t>
+            </a:r>
+            <a:r>
+              <a:rPr lang="en-US" sz="1400" dirty="0">
+                <a:latin typeface="Consolas"/>
+                <a:cs typeface="Consolas"/>
+              </a:rPr>
+              <a:t>(new Car());</a:t>
+            </a:r>
+          </a:p>
+          <a:p>
+            <a:pPr marL="0" indent="0">
+              <a:buNone/>
+            </a:pPr>
+            <a:endParaRPr lang="en-US" sz="1400" dirty="0">
+              <a:latin typeface="Consolas"/>
+              <a:cs typeface="Consolas"/>
+            </a:endParaRPr>
+          </a:p>
+          <a:p>
+            <a:pPr marL="0" indent="0">
+              <a:buNone/>
+            </a:pPr>
+            <a:r>
+              <a:rPr lang="en-US" sz="1400" dirty="0">
+                <a:latin typeface="Consolas"/>
+                <a:cs typeface="Consolas"/>
+              </a:rPr>
+              <a:t>for(Car c : garage) {</a:t>
+            </a:r>
+          </a:p>
+          <a:p>
+            <a:pPr marL="0" indent="0">
+              <a:buNone/>
+            </a:pPr>
+            <a:r>
+              <a:rPr lang="en-US" sz="1400" dirty="0">
+                <a:latin typeface="Consolas"/>
+                <a:cs typeface="Consolas"/>
+              </a:rPr>
+              <a:t>	</a:t>
+            </a:r>
+            <a:r>
+              <a:rPr lang="en-US" sz="1400" dirty="0" err="1">
+                <a:latin typeface="Consolas"/>
+                <a:cs typeface="Consolas"/>
+              </a:rPr>
+              <a:t>c.turnOn</a:t>
+            </a:r>
+            <a:r>
+              <a:rPr lang="en-US" sz="1400" dirty="0">
+                <a:latin typeface="Consolas"/>
+                <a:cs typeface="Consolas"/>
+              </a:rPr>
+              <a:t>();</a:t>
+            </a:r>
+          </a:p>
+          <a:p>
+            <a:pPr marL="0" indent="0">
+              <a:buNone/>
+            </a:pPr>
+            <a:r>
+              <a:rPr lang="en-US" sz="1400" dirty="0">
+                <a:latin typeface="Consolas"/>
+                <a:cs typeface="Consolas"/>
+              </a:rPr>
+              <a:t>}</a:t>
+            </a:r>
+          </a:p>
+          <a:p>
+            <a:pPr marL="0" indent="0">
+              <a:buNone/>
+            </a:pPr>
+            <a:endParaRPr lang="en-US" sz="1400" dirty="0">
+              <a:latin typeface="Consolas"/>
+              <a:cs typeface="Consolas"/>
+            </a:endParaRPr>
+          </a:p>
+          <a:p>
+            <a:pPr marL="0" indent="0">
+              <a:buNone/>
+            </a:pPr>
+            <a:r>
+              <a:rPr lang="en-US" sz="1400" dirty="0">
+                <a:solidFill>
+                  <a:schemeClr val="accent6">
+                    <a:lumMod val="75000"/>
+                  </a:schemeClr>
+                </a:solidFill>
+                <a:latin typeface="Consolas"/>
+                <a:cs typeface="Consolas"/>
+              </a:rPr>
+              <a:t>/* Decoupling references from actual objects allows to change implementation (and related performance!) by changing a single line of code! */ </a:t>
+            </a:r>
+          </a:p>
+        </p:txBody>
+      </p:sp>
+      <p:sp>
+        <p:nvSpPr>
+          <p:cNvPr id="4" name="Content Placeholder 3">
+            <a:extLst>
+              <a:ext uri="{FF2B5EF4-FFF2-40B4-BE49-F238E27FC236}">
+                <a16:creationId xmlns:a16="http://schemas.microsoft.com/office/drawing/2014/main" id="{3074C8C1-E5E3-A346-999F-06A2E866400E}"/>
+              </a:ext>
+            </a:extLst>
+          </p:cNvPr>
+          <p:cNvSpPr>
+            <a:spLocks noGrp="1"/>
+          </p:cNvSpPr>
+          <p:nvPr>
+            <p:ph sz="half" idx="2"/>
           </p:nvPr>
         </p:nvSpPr>
         <p:spPr/>
@@ -5500,113 +5780,229 @@
           </a:bodyPr>
           <a:lstStyle/>
           <a:p>
-            <a:r>
-              <a:rPr lang="en-US" sz="2600" dirty="0" err="1">
-                <a:solidFill>
-                  <a:srgbClr val="E46C0A"/>
-                </a:solidFill>
-              </a:rPr>
-              <a:t>ArrayList</a:t>
-            </a:r>
-            <a:r>
-              <a:rPr lang="en-US" sz="2600" dirty="0">
-                <a:solidFill>
-                  <a:srgbClr val="E46C0A"/>
-                </a:solidFill>
-              </a:rPr>
-              <a:t> </a:t>
-            </a:r>
-            <a:r>
-              <a:rPr lang="en-US" sz="2600" dirty="0"/>
-              <a:t>implements</a:t>
-            </a:r>
-            <a:r>
-              <a:rPr lang="en-US" sz="2600" dirty="0">
-                <a:solidFill>
-                  <a:srgbClr val="E46C0A"/>
-                </a:solidFill>
-              </a:rPr>
-              <a:t> List</a:t>
-            </a:r>
-          </a:p>
-          <a:p>
-            <a:pPr lvl="1"/>
-            <a:r>
-              <a:rPr lang="en-US" sz="2600" dirty="0"/>
-              <a:t>get(index) -&gt; Constant time</a:t>
-            </a:r>
-          </a:p>
-          <a:p>
-            <a:pPr lvl="1"/>
-            <a:r>
-              <a:rPr lang="en-US" sz="2600" dirty="0"/>
-              <a:t>add(index, </a:t>
-            </a:r>
-            <a:r>
-              <a:rPr lang="en-US" sz="2600" dirty="0" err="1"/>
-              <a:t>obj</a:t>
-            </a:r>
-            <a:r>
-              <a:rPr lang="en-US" sz="2600" dirty="0"/>
-              <a:t>) -&gt; Linear time</a:t>
-            </a:r>
-          </a:p>
-          <a:p>
-            <a:pPr marL="457200" lvl="1" indent="0">
-              <a:buNone/>
-            </a:pPr>
-            <a:endParaRPr lang="en-US" sz="2600" dirty="0"/>
-          </a:p>
-          <a:p>
-            <a:r>
-              <a:rPr lang="en-US" sz="2600" dirty="0">
-                <a:solidFill>
-                  <a:srgbClr val="E46C0A"/>
-                </a:solidFill>
-              </a:rPr>
-              <a:t>LinkedList </a:t>
-            </a:r>
-            <a:r>
-              <a:rPr lang="en-US" sz="2600" dirty="0"/>
-              <a:t>implements</a:t>
-            </a:r>
-            <a:r>
-              <a:rPr lang="en-US" sz="2600" dirty="0">
-                <a:solidFill>
-                  <a:srgbClr val="E46C0A"/>
-                </a:solidFill>
-              </a:rPr>
-              <a:t> List, Queue</a:t>
-            </a:r>
-          </a:p>
-          <a:p>
-            <a:pPr lvl="1"/>
-            <a:r>
-              <a:rPr lang="en-US" sz="2600" dirty="0"/>
-              <a:t>get(index) -&gt; Linear time</a:t>
-            </a:r>
-          </a:p>
-          <a:p>
-            <a:pPr lvl="1"/>
-            <a:r>
-              <a:rPr lang="en-US" sz="2600" dirty="0"/>
-              <a:t>add(index, </a:t>
-            </a:r>
-            <a:r>
-              <a:rPr lang="en-US" sz="2600" dirty="0" err="1"/>
-              <a:t>obj</a:t>
-            </a:r>
-            <a:r>
-              <a:rPr lang="en-US" sz="2600" dirty="0"/>
-              <a:t>) -&gt; Linear time (but more lightweight)</a:t>
-            </a:r>
+            <a:pPr marL="0" indent="0">
+              <a:buNone/>
+            </a:pPr>
+            <a:r>
+              <a:rPr lang="en-US" sz="1400" dirty="0">
+                <a:solidFill>
+                  <a:schemeClr val="accent6">
+                    <a:lumMod val="75000"/>
+                  </a:schemeClr>
+                </a:solidFill>
+                <a:latin typeface="Consolas"/>
+                <a:cs typeface="Consolas"/>
+              </a:rPr>
+              <a:t>List&lt;Car&gt; garage = </a:t>
+            </a:r>
+          </a:p>
+          <a:p>
+            <a:pPr marL="0" indent="0">
+              <a:buNone/>
+            </a:pPr>
+            <a:r>
+              <a:rPr lang="en-US" sz="1400" dirty="0">
+                <a:solidFill>
+                  <a:schemeClr val="accent6">
+                    <a:lumMod val="75000"/>
+                  </a:schemeClr>
+                </a:solidFill>
+                <a:latin typeface="Consolas"/>
+                <a:cs typeface="Consolas"/>
+              </a:rPr>
+              <a:t>new LinkedList&lt;Car&gt;();</a:t>
+            </a:r>
+          </a:p>
+          <a:p>
+            <a:pPr marL="0" indent="0">
+              <a:buNone/>
+            </a:pPr>
+            <a:endParaRPr lang="en-US" sz="1400" dirty="0">
+              <a:latin typeface="Consolas"/>
+              <a:cs typeface="Consolas"/>
+            </a:endParaRPr>
+          </a:p>
+          <a:p>
+            <a:pPr marL="0" indent="0">
+              <a:buNone/>
+            </a:pPr>
+            <a:r>
+              <a:rPr lang="en-US" sz="1400" dirty="0" err="1">
+                <a:latin typeface="Consolas"/>
+                <a:cs typeface="Consolas"/>
+              </a:rPr>
+              <a:t>garage.add</a:t>
+            </a:r>
+            <a:r>
+              <a:rPr lang="en-US" sz="1400" dirty="0">
+                <a:latin typeface="Consolas"/>
+                <a:cs typeface="Consolas"/>
+              </a:rPr>
+              <a:t>(new Car());</a:t>
+            </a:r>
+          </a:p>
+          <a:p>
+            <a:pPr marL="0" indent="0">
+              <a:buNone/>
+            </a:pPr>
+            <a:r>
+              <a:rPr lang="en-US" sz="1400" dirty="0" err="1">
+                <a:latin typeface="Consolas"/>
+                <a:cs typeface="Consolas"/>
+              </a:rPr>
+              <a:t>garage.add</a:t>
+            </a:r>
+            <a:r>
+              <a:rPr lang="en-US" sz="1400" dirty="0">
+                <a:latin typeface="Consolas"/>
+                <a:cs typeface="Consolas"/>
+              </a:rPr>
+              <a:t>(new </a:t>
+            </a:r>
+            <a:r>
+              <a:rPr lang="en-US" sz="1400" dirty="0" err="1">
+                <a:latin typeface="Consolas"/>
+                <a:cs typeface="Consolas"/>
+              </a:rPr>
+              <a:t>SDCar</a:t>
+            </a:r>
+            <a:r>
+              <a:rPr lang="en-US" sz="1400" dirty="0">
+                <a:latin typeface="Consolas"/>
+                <a:cs typeface="Consolas"/>
+              </a:rPr>
+              <a:t>());</a:t>
+            </a:r>
+          </a:p>
+          <a:p>
+            <a:pPr marL="0" indent="0">
+              <a:buNone/>
+            </a:pPr>
+            <a:r>
+              <a:rPr lang="en-US" sz="1400" dirty="0" err="1">
+                <a:latin typeface="Consolas"/>
+                <a:cs typeface="Consolas"/>
+              </a:rPr>
+              <a:t>garage.add</a:t>
+            </a:r>
+            <a:r>
+              <a:rPr lang="en-US" sz="1400" dirty="0">
+                <a:latin typeface="Consolas"/>
+                <a:cs typeface="Consolas"/>
+              </a:rPr>
+              <a:t>(new </a:t>
+            </a:r>
+            <a:r>
+              <a:rPr lang="en-US" sz="1400" dirty="0" err="1">
+                <a:latin typeface="Consolas"/>
+                <a:cs typeface="Consolas"/>
+              </a:rPr>
+              <a:t>SDCar</a:t>
+            </a:r>
+            <a:r>
+              <a:rPr lang="en-US" sz="1400" dirty="0">
+                <a:latin typeface="Consolas"/>
+                <a:cs typeface="Consolas"/>
+              </a:rPr>
+              <a:t>());</a:t>
+            </a:r>
+          </a:p>
+          <a:p>
+            <a:pPr marL="0" indent="0">
+              <a:buNone/>
+            </a:pPr>
+            <a:r>
+              <a:rPr lang="en-US" sz="1400" dirty="0" err="1">
+                <a:latin typeface="Consolas"/>
+                <a:cs typeface="Consolas"/>
+              </a:rPr>
+              <a:t>garage.add</a:t>
+            </a:r>
+            <a:r>
+              <a:rPr lang="en-US" sz="1400" dirty="0">
+                <a:latin typeface="Consolas"/>
+                <a:cs typeface="Consolas"/>
+              </a:rPr>
+              <a:t>(new Car());</a:t>
+            </a:r>
+          </a:p>
+          <a:p>
+            <a:pPr marL="0" indent="0">
+              <a:buNone/>
+            </a:pPr>
+            <a:endParaRPr lang="en-US" sz="1400" dirty="0">
+              <a:latin typeface="Consolas"/>
+              <a:cs typeface="Consolas"/>
+            </a:endParaRPr>
+          </a:p>
+          <a:p>
+            <a:pPr marL="0" indent="0">
+              <a:buNone/>
+            </a:pPr>
+            <a:r>
+              <a:rPr lang="en-US" sz="1400" dirty="0">
+                <a:latin typeface="Consolas"/>
+                <a:cs typeface="Consolas"/>
+              </a:rPr>
+              <a:t>for(Car c : garage) {</a:t>
+            </a:r>
+          </a:p>
+          <a:p>
+            <a:pPr marL="0" indent="0">
+              <a:buNone/>
+            </a:pPr>
+            <a:r>
+              <a:rPr lang="en-US" sz="1400" dirty="0">
+                <a:latin typeface="Consolas"/>
+                <a:cs typeface="Consolas"/>
+              </a:rPr>
+              <a:t>	</a:t>
+            </a:r>
+            <a:r>
+              <a:rPr lang="en-US" sz="1400" dirty="0" err="1">
+                <a:latin typeface="Consolas"/>
+                <a:cs typeface="Consolas"/>
+              </a:rPr>
+              <a:t>c.turnOn</a:t>
+            </a:r>
+            <a:r>
+              <a:rPr lang="en-US" sz="1400" dirty="0">
+                <a:latin typeface="Consolas"/>
+                <a:cs typeface="Consolas"/>
+              </a:rPr>
+              <a:t>();</a:t>
+            </a:r>
+          </a:p>
+          <a:p>
+            <a:pPr marL="0" indent="0">
+              <a:buNone/>
+            </a:pPr>
+            <a:r>
+              <a:rPr lang="en-US" sz="1400" dirty="0">
+                <a:latin typeface="Consolas"/>
+                <a:cs typeface="Consolas"/>
+              </a:rPr>
+              <a:t>}</a:t>
+            </a:r>
+          </a:p>
+          <a:p>
+            <a:pPr marL="0" indent="0">
+              <a:buNone/>
+            </a:pPr>
+            <a:endParaRPr lang="en-US" sz="1400" dirty="0">
+              <a:latin typeface="Consolas"/>
+              <a:cs typeface="Consolas"/>
+            </a:endParaRPr>
+          </a:p>
+          <a:p>
+            <a:endParaRPr lang="it-IT" sz="1400" dirty="0"/>
           </a:p>
         </p:txBody>
       </p:sp>
     </p:spTree>
     <p:extLst>
       <p:ext uri="{BB962C8B-B14F-4D97-AF65-F5344CB8AC3E}">
-        <p14:creationId xmlns:p14="http://schemas.microsoft.com/office/powerpoint/2010/main" val="1631080034"/>
+        <p14:creationId xmlns:p14="http://schemas.microsoft.com/office/powerpoint/2010/main" val="2876740207"/>
       </p:ext>
     </p:extLst>
   </p:cSld>
@@ -5650,299 +6046,19 @@
           <a:p>
             <a:r>
               <a:rPr lang="en-US" dirty="0"/>
-              <a:t>Example</a:t>
+              <a:t>List Implementations</a:t>
             </a:r>
           </a:p>
         </p:txBody>
       </p:sp>
       <p:sp>
         <p:nvSpPr>
-          <p:cNvPr id="3" name="Content Placeholder 2"/>
+          <p:cNvPr id="4" name="Text Placeholder 3"/>
           <p:cNvSpPr>
             <a:spLocks noGrp="1"/>
           </p:cNvSpPr>
           <p:nvPr>
-            <p:ph sz="half" idx="1"/>
-          </p:nvPr>
-        </p:nvSpPr>
-        <p:spPr/>
-        <p:txBody>
-          <a:bodyPr>
-            <a:noAutofit/>
-          </a:bodyPr>
-          <a:lstStyle/>
-          <a:p>
-            <a:pPr marL="0" indent="0">
-              <a:buNone/>
-            </a:pPr>
-            <a:r>
-              <a:rPr lang="en-US" sz="1400" dirty="0">
-                <a:solidFill>
-                  <a:schemeClr val="accent6">
-                    <a:lumMod val="75000"/>
-                  </a:schemeClr>
-                </a:solidFill>
-                <a:latin typeface="Consolas"/>
-                <a:cs typeface="Consolas"/>
-              </a:rPr>
-              <a:t>List&lt;Car&gt; garage = </a:t>
-            </a:r>
-          </a:p>
-          <a:p>
-            <a:pPr marL="0" indent="0">
-              <a:buNone/>
-            </a:pPr>
-            <a:r>
-              <a:rPr lang="en-US" sz="1400" dirty="0">
-                <a:solidFill>
-                  <a:schemeClr val="accent6">
-                    <a:lumMod val="75000"/>
-                  </a:schemeClr>
-                </a:solidFill>
-                <a:latin typeface="Consolas"/>
-                <a:cs typeface="Consolas"/>
-              </a:rPr>
-              <a:t>new </a:t>
-            </a:r>
-            <a:r>
-              <a:rPr lang="en-US" sz="1400" dirty="0" err="1">
-                <a:solidFill>
-                  <a:schemeClr val="accent6">
-                    <a:lumMod val="75000"/>
-                  </a:schemeClr>
-                </a:solidFill>
-                <a:latin typeface="Consolas"/>
-                <a:cs typeface="Consolas"/>
-              </a:rPr>
-              <a:t>ArrayList</a:t>
-            </a:r>
-            <a:r>
-              <a:rPr lang="en-US" sz="1400" dirty="0">
-                <a:solidFill>
-                  <a:schemeClr val="accent6">
-                    <a:lumMod val="75000"/>
-                  </a:schemeClr>
-                </a:solidFill>
-                <a:latin typeface="Consolas"/>
-                <a:cs typeface="Consolas"/>
-              </a:rPr>
-              <a:t>&lt;Car&gt;();</a:t>
-            </a:r>
-          </a:p>
-          <a:p>
-            <a:pPr marL="0" indent="0">
-              <a:buNone/>
-            </a:pPr>
-            <a:endParaRPr lang="en-US" sz="1400" dirty="0">
-              <a:latin typeface="Consolas"/>
-              <a:cs typeface="Consolas"/>
-            </a:endParaRPr>
-          </a:p>
-          <a:p>
-            <a:pPr marL="0" indent="0">
-              <a:buNone/>
-            </a:pPr>
-            <a:r>
-              <a:rPr lang="en-US" sz="1400" dirty="0" err="1">
-                <a:latin typeface="Consolas"/>
-                <a:cs typeface="Consolas"/>
-              </a:rPr>
-              <a:t>garage.add</a:t>
-            </a:r>
-            <a:r>
-              <a:rPr lang="en-US" sz="1400" dirty="0">
-                <a:latin typeface="Consolas"/>
-                <a:cs typeface="Consolas"/>
-              </a:rPr>
-              <a:t>(new Car());</a:t>
-            </a:r>
-          </a:p>
-          <a:p>
-            <a:pPr marL="0" indent="0">
-              <a:buNone/>
-            </a:pPr>
-            <a:r>
-              <a:rPr lang="en-US" sz="1400" dirty="0" err="1">
-                <a:latin typeface="Consolas"/>
-                <a:cs typeface="Consolas"/>
-              </a:rPr>
-              <a:t>garage.add</a:t>
-            </a:r>
-            <a:r>
-              <a:rPr lang="en-US" sz="1400" dirty="0">
-                <a:latin typeface="Consolas"/>
-                <a:cs typeface="Consolas"/>
-              </a:rPr>
-              <a:t>(new </a:t>
-            </a:r>
-            <a:r>
-              <a:rPr lang="en-US" sz="1400" dirty="0" err="1">
-                <a:latin typeface="Consolas"/>
-                <a:cs typeface="Consolas"/>
-              </a:rPr>
-              <a:t>SDCar</a:t>
-            </a:r>
-            <a:r>
-              <a:rPr lang="en-US" sz="1400" dirty="0">
-                <a:latin typeface="Consolas"/>
-                <a:cs typeface="Consolas"/>
-              </a:rPr>
-              <a:t>());</a:t>
-            </a:r>
-          </a:p>
-          <a:p>
-            <a:pPr marL="0" indent="0">
-              <a:buNone/>
-            </a:pPr>
-            <a:r>
-              <a:rPr lang="en-US" sz="1400" dirty="0" err="1">
-                <a:latin typeface="Consolas"/>
-                <a:cs typeface="Consolas"/>
-              </a:rPr>
-              <a:t>garage.add</a:t>
-            </a:r>
-            <a:r>
-              <a:rPr lang="en-US" sz="1400" dirty="0">
-                <a:latin typeface="Consolas"/>
-                <a:cs typeface="Consolas"/>
-              </a:rPr>
-              <a:t>(new </a:t>
-            </a:r>
-            <a:r>
-              <a:rPr lang="en-US" sz="1400" dirty="0" err="1">
-                <a:latin typeface="Consolas"/>
-                <a:cs typeface="Consolas"/>
-              </a:rPr>
-              <a:t>SDCar</a:t>
-            </a:r>
-            <a:r>
-              <a:rPr lang="en-US" sz="1400" dirty="0">
-                <a:latin typeface="Consolas"/>
-                <a:cs typeface="Consolas"/>
-              </a:rPr>
-              <a:t>());</a:t>
-            </a:r>
-          </a:p>
-          <a:p>
-            <a:pPr marL="0" indent="0">
-              <a:buNone/>
-            </a:pPr>
-            <a:r>
-              <a:rPr lang="en-US" sz="1400" dirty="0" err="1">
-                <a:latin typeface="Consolas"/>
-                <a:cs typeface="Consolas"/>
-              </a:rPr>
-              <a:t>garage.add</a:t>
-            </a:r>
-            <a:r>
-              <a:rPr lang="en-US" sz="1400" dirty="0">
-                <a:latin typeface="Consolas"/>
-                <a:cs typeface="Consolas"/>
-              </a:rPr>
-              <a:t>(new Car());</a:t>
-            </a:r>
-          </a:p>
-          <a:p>
-            <a:pPr marL="0" indent="0">
-              <a:buNone/>
-            </a:pPr>
-            <a:endParaRPr lang="en-US" sz="1400" dirty="0">
-              <a:latin typeface="Consolas"/>
-              <a:cs typeface="Consolas"/>
-            </a:endParaRPr>
-          </a:p>
-          <a:p>
-            <a:pPr marL="0" indent="0">
-              <a:buNone/>
-            </a:pPr>
-            <a:r>
-              <a:rPr lang="en-US" sz="1400" dirty="0">
-                <a:latin typeface="Consolas"/>
-                <a:cs typeface="Consolas"/>
-              </a:rPr>
-              <a:t>for(Car c : garage) {</a:t>
-            </a:r>
-          </a:p>
-          <a:p>
-            <a:pPr marL="0" indent="0">
-              <a:buNone/>
-            </a:pPr>
-            <a:r>
-              <a:rPr lang="en-US" sz="1400" dirty="0">
-                <a:latin typeface="Consolas"/>
-                <a:cs typeface="Consolas"/>
-              </a:rPr>
-              <a:t>	</a:t>
-            </a:r>
-            <a:r>
-              <a:rPr lang="en-US" sz="1400" dirty="0" err="1">
-                <a:latin typeface="Consolas"/>
-                <a:cs typeface="Consolas"/>
-              </a:rPr>
-              <a:t>c.turnOn</a:t>
-            </a:r>
-            <a:r>
-              <a:rPr lang="en-US" sz="1400" dirty="0">
-                <a:latin typeface="Consolas"/>
-                <a:cs typeface="Consolas"/>
-              </a:rPr>
-              <a:t>();</a:t>
-            </a:r>
-          </a:p>
-          <a:p>
-            <a:pPr marL="0" indent="0">
-              <a:buNone/>
-            </a:pPr>
-            <a:r>
-              <a:rPr lang="en-US" sz="1400" dirty="0">
-                <a:latin typeface="Consolas"/>
-                <a:cs typeface="Consolas"/>
-              </a:rPr>
-              <a:t>}</a:t>
-            </a:r>
-          </a:p>
-          <a:p>
-            <a:pPr marL="0" indent="0">
-              <a:buNone/>
-            </a:pPr>
-            <a:endParaRPr lang="en-US" sz="1400" dirty="0">
-              <a:latin typeface="Consolas"/>
-              <a:cs typeface="Consolas"/>
-            </a:endParaRPr>
-          </a:p>
-          <a:p>
-            <a:pPr marL="0" indent="0">
-              <a:buNone/>
-            </a:pPr>
-            <a:r>
-              <a:rPr lang="en-US" sz="1400" dirty="0">
-                <a:solidFill>
-                  <a:schemeClr val="accent6">
-                    <a:lumMod val="75000"/>
-                  </a:schemeClr>
-                </a:solidFill>
-                <a:latin typeface="Consolas"/>
-                <a:cs typeface="Consolas"/>
-              </a:rPr>
-              <a:t>/* Decoupling references from actual objects allows to change implementation (and related performance!) by changing a single line of code! */ </a:t>
-            </a:r>
-          </a:p>
-        </p:txBody>
-      </p:sp>
-      <p:sp>
-        <p:nvSpPr>
-          <p:cNvPr id="4" name="Content Placeholder 3">
-            <a:extLst>
-              <a:ext uri="{FF2B5EF4-FFF2-40B4-BE49-F238E27FC236}">
-                <a16:creationId xmlns:a16="http://schemas.microsoft.com/office/drawing/2014/main" id="{3074C8C1-E5E3-A346-999F-06A2E866400E}"/>
-              </a:ext>
-            </a:extLst>
-          </p:cNvPr>
-          <p:cNvSpPr>
-            <a:spLocks noGrp="1"/>
-          </p:cNvSpPr>
-          <p:nvPr>
-            <p:ph sz="half" idx="2"/>
+            <p:ph idx="1"/>
           </p:nvPr>
         </p:nvSpPr>
         <p:spPr/>
@@ -5952,229 +6068,113 @@
           </a:bodyPr>
           <a:lstStyle/>
           <a:p>
-            <a:pPr marL="0" indent="0">
-              <a:buNone/>
-            </a:pPr>
-            <a:r>
-              <a:rPr lang="en-US" sz="1400" dirty="0">
-                <a:solidFill>
-                  <a:schemeClr val="accent6">
-                    <a:lumMod val="75000"/>
-                  </a:schemeClr>
-                </a:solidFill>
-                <a:latin typeface="Consolas"/>
-                <a:cs typeface="Consolas"/>
-              </a:rPr>
-              <a:t>List&lt;Car&gt; garage = </a:t>
-            </a:r>
-          </a:p>
-          <a:p>
-            <a:pPr marL="0" indent="0">
-              <a:buNone/>
-            </a:pPr>
-            <a:r>
-              <a:rPr lang="en-US" sz="1400" dirty="0">
-                <a:solidFill>
-                  <a:schemeClr val="accent6">
-                    <a:lumMod val="75000"/>
-                  </a:schemeClr>
-                </a:solidFill>
-                <a:latin typeface="Consolas"/>
-                <a:cs typeface="Consolas"/>
-              </a:rPr>
-              <a:t>new LinkedList&lt;Car&gt;();</a:t>
-            </a:r>
-          </a:p>
-          <a:p>
-            <a:pPr marL="0" indent="0">
-              <a:buNone/>
-            </a:pPr>
-            <a:endParaRPr lang="en-US" sz="1400" dirty="0">
-              <a:latin typeface="Consolas"/>
-              <a:cs typeface="Consolas"/>
-            </a:endParaRPr>
-          </a:p>
-          <a:p>
-            <a:pPr marL="0" indent="0">
-              <a:buNone/>
-            </a:pPr>
-            <a:r>
-              <a:rPr lang="en-US" sz="1400" dirty="0" err="1">
-                <a:latin typeface="Consolas"/>
-                <a:cs typeface="Consolas"/>
-              </a:rPr>
-              <a:t>garage.add</a:t>
-            </a:r>
-            <a:r>
-              <a:rPr lang="en-US" sz="1400" dirty="0">
-                <a:latin typeface="Consolas"/>
-                <a:cs typeface="Consolas"/>
-              </a:rPr>
-              <a:t>(new Car());</a:t>
-            </a:r>
-          </a:p>
-          <a:p>
-            <a:pPr marL="0" indent="0">
-              <a:buNone/>
-            </a:pPr>
-            <a:r>
-              <a:rPr lang="en-US" sz="1400" dirty="0" err="1">
-                <a:latin typeface="Consolas"/>
-                <a:cs typeface="Consolas"/>
-              </a:rPr>
-              <a:t>garage.add</a:t>
-            </a:r>
-            <a:r>
-              <a:rPr lang="en-US" sz="1400" dirty="0">
-                <a:latin typeface="Consolas"/>
-                <a:cs typeface="Consolas"/>
-              </a:rPr>
-              <a:t>(new </a:t>
-            </a:r>
-            <a:r>
-              <a:rPr lang="en-US" sz="1400" dirty="0" err="1">
-                <a:latin typeface="Consolas"/>
-                <a:cs typeface="Consolas"/>
-              </a:rPr>
-              <a:t>SDCar</a:t>
-            </a:r>
-            <a:r>
-              <a:rPr lang="en-US" sz="1400" dirty="0">
-                <a:latin typeface="Consolas"/>
-                <a:cs typeface="Consolas"/>
-              </a:rPr>
-              <a:t>());</a:t>
-            </a:r>
-          </a:p>
-          <a:p>
-            <a:pPr marL="0" indent="0">
-              <a:buNone/>
-            </a:pPr>
-            <a:r>
-              <a:rPr lang="en-US" sz="1400" dirty="0" err="1">
-                <a:latin typeface="Consolas"/>
-                <a:cs typeface="Consolas"/>
-              </a:rPr>
-              <a:t>garage.add</a:t>
-            </a:r>
-            <a:r>
-              <a:rPr lang="en-US" sz="1400" dirty="0">
-                <a:latin typeface="Consolas"/>
-                <a:cs typeface="Consolas"/>
-              </a:rPr>
-              <a:t>(new </a:t>
-            </a:r>
-            <a:r>
-              <a:rPr lang="en-US" sz="1400" dirty="0" err="1">
-                <a:latin typeface="Consolas"/>
-                <a:cs typeface="Consolas"/>
-              </a:rPr>
-              <a:t>SDCar</a:t>
-            </a:r>
-            <a:r>
-              <a:rPr lang="en-US" sz="1400" dirty="0">
-                <a:latin typeface="Consolas"/>
-                <a:cs typeface="Consolas"/>
-              </a:rPr>
-              <a:t>());</a:t>
-            </a:r>
-          </a:p>
-          <a:p>
-            <a:pPr marL="0" indent="0">
-              <a:buNone/>
-            </a:pPr>
-            <a:r>
-              <a:rPr lang="en-US" sz="1400" dirty="0" err="1">
-                <a:latin typeface="Consolas"/>
-                <a:cs typeface="Consolas"/>
-              </a:rPr>
-              <a:t>garage.add</a:t>
-            </a:r>
-            <a:r>
-              <a:rPr lang="en-US" sz="1400" dirty="0">
-                <a:latin typeface="Consolas"/>
-                <a:cs typeface="Consolas"/>
-              </a:rPr>
-              <a:t>(new Car());</a:t>
-            </a:r>
-          </a:p>
-          <a:p>
-            <a:pPr marL="0" indent="0">
-              <a:buNone/>
-            </a:pPr>
-            <a:endParaRPr lang="en-US" sz="1400" dirty="0">
-              <a:latin typeface="Consolas"/>
-              <a:cs typeface="Consolas"/>
-            </a:endParaRPr>
-          </a:p>
-          <a:p>
-            <a:pPr marL="0" indent="0">
-              <a:buNone/>
-            </a:pPr>
-            <a:r>
-              <a:rPr lang="en-US" sz="1400" dirty="0">
-                <a:latin typeface="Consolas"/>
-                <a:cs typeface="Consolas"/>
-              </a:rPr>
-              <a:t>for(Car c : garage) {</a:t>
-            </a:r>
-          </a:p>
-          <a:p>
-            <a:pPr marL="0" indent="0">
-              <a:buNone/>
-            </a:pPr>
-            <a:r>
-              <a:rPr lang="en-US" sz="1400" dirty="0">
-                <a:latin typeface="Consolas"/>
-                <a:cs typeface="Consolas"/>
-              </a:rPr>
-              <a:t>	</a:t>
-            </a:r>
-            <a:r>
-              <a:rPr lang="en-US" sz="1400" dirty="0" err="1">
-                <a:latin typeface="Consolas"/>
-                <a:cs typeface="Consolas"/>
-              </a:rPr>
-              <a:t>c.turnOn</a:t>
-            </a:r>
-            <a:r>
-              <a:rPr lang="en-US" sz="1400" dirty="0">
-                <a:latin typeface="Consolas"/>
-                <a:cs typeface="Consolas"/>
-              </a:rPr>
-              <a:t>();</a:t>
-            </a:r>
-          </a:p>
-          <a:p>
-            <a:pPr marL="0" indent="0">
-              <a:buNone/>
-            </a:pPr>
-            <a:r>
-              <a:rPr lang="en-US" sz="1400" dirty="0">
-                <a:latin typeface="Consolas"/>
-                <a:cs typeface="Consolas"/>
-              </a:rPr>
-              <a:t>}</a:t>
-            </a:r>
-          </a:p>
-          <a:p>
-            <a:pPr marL="0" indent="0">
-              <a:buNone/>
-            </a:pPr>
-            <a:endParaRPr lang="en-US" sz="1400" dirty="0">
-              <a:latin typeface="Consolas"/>
-              <a:cs typeface="Consolas"/>
-            </a:endParaRPr>
-          </a:p>
-          <a:p>
-            <a:endParaRPr lang="it-IT" sz="1400" dirty="0"/>
+            <a:r>
+              <a:rPr lang="en-US" sz="2600" dirty="0" err="1">
+                <a:solidFill>
+                  <a:srgbClr val="E46C0A"/>
+                </a:solidFill>
+              </a:rPr>
+              <a:t>ArrayList</a:t>
+            </a:r>
+            <a:r>
+              <a:rPr lang="en-US" sz="2600" dirty="0">
+                <a:solidFill>
+                  <a:srgbClr val="E46C0A"/>
+                </a:solidFill>
+              </a:rPr>
+              <a:t> </a:t>
+            </a:r>
+            <a:r>
+              <a:rPr lang="en-US" sz="2600" dirty="0"/>
+              <a:t>implements</a:t>
+            </a:r>
+            <a:r>
+              <a:rPr lang="en-US" sz="2600" dirty="0">
+                <a:solidFill>
+                  <a:srgbClr val="E46C0A"/>
+                </a:solidFill>
+              </a:rPr>
+              <a:t> List</a:t>
+            </a:r>
+          </a:p>
+          <a:p>
+            <a:pPr lvl="1"/>
+            <a:r>
+              <a:rPr lang="en-US" sz="2600" dirty="0"/>
+              <a:t>get(index) -&gt; Constant time</a:t>
+            </a:r>
+          </a:p>
+          <a:p>
+            <a:pPr lvl="1"/>
+            <a:r>
+              <a:rPr lang="en-US" sz="2600" dirty="0"/>
+              <a:t>add(index, </a:t>
+            </a:r>
+            <a:r>
+              <a:rPr lang="en-US" sz="2600" dirty="0" err="1"/>
+              <a:t>obj</a:t>
+            </a:r>
+            <a:r>
+              <a:rPr lang="en-US" sz="2600" dirty="0"/>
+              <a:t>) -&gt; Linear time</a:t>
+            </a:r>
+          </a:p>
+          <a:p>
+            <a:pPr marL="457200" lvl="1" indent="0">
+              <a:buNone/>
+            </a:pPr>
+            <a:endParaRPr lang="en-US" sz="2600" dirty="0"/>
+          </a:p>
+          <a:p>
+            <a:r>
+              <a:rPr lang="en-US" sz="2600" dirty="0">
+                <a:solidFill>
+                  <a:srgbClr val="E46C0A"/>
+                </a:solidFill>
+              </a:rPr>
+              <a:t>LinkedList </a:t>
+            </a:r>
+            <a:r>
+              <a:rPr lang="en-US" sz="2600" dirty="0"/>
+              <a:t>implements</a:t>
+            </a:r>
+            <a:r>
+              <a:rPr lang="en-US" sz="2600" dirty="0">
+                <a:solidFill>
+                  <a:srgbClr val="E46C0A"/>
+                </a:solidFill>
+              </a:rPr>
+              <a:t> List, Queue</a:t>
+            </a:r>
+          </a:p>
+          <a:p>
+            <a:pPr lvl="1"/>
+            <a:r>
+              <a:rPr lang="en-US" sz="2600" dirty="0"/>
+              <a:t>get(index) -&gt; Linear time</a:t>
+            </a:r>
+          </a:p>
+          <a:p>
+            <a:pPr lvl="1"/>
+            <a:r>
+              <a:rPr lang="en-US" sz="2600" dirty="0"/>
+              <a:t>add(index, </a:t>
+            </a:r>
+            <a:r>
+              <a:rPr lang="en-US" sz="2600" dirty="0" err="1"/>
+              <a:t>obj</a:t>
+            </a:r>
+            <a:r>
+              <a:rPr lang="en-US" sz="2600" dirty="0"/>
+              <a:t>) -&gt; Linear time (but more lightweight)</a:t>
+            </a:r>
           </a:p>
         </p:txBody>
       </p:sp>
     </p:spTree>
     <p:extLst>
       <p:ext uri="{BB962C8B-B14F-4D97-AF65-F5344CB8AC3E}">
-        <p14:creationId xmlns:p14="http://schemas.microsoft.com/office/powerpoint/2010/main" val="2876740207"/>
+        <p14:creationId xmlns:p14="http://schemas.microsoft.com/office/powerpoint/2010/main" val="1631080034"/>
       </p:ext>
     </p:extLst>
   </p:cSld>
@@ -6281,10 +6281,27 @@
             <a:r>
               <a:rPr lang="en-US" dirty="0">
                 <a:solidFill>
+                  <a:schemeClr val="accent6">
+                    <a:lumMod val="75000"/>
+                  </a:schemeClr>
+                </a:solidFill>
+              </a:rPr>
+              <a:t>abstract classes </a:t>
+            </a:r>
+            <a:r>
+              <a:rPr lang="en-US" dirty="0"/>
+              <a:t>for shared code aggregation</a:t>
+            </a:r>
+          </a:p>
+          <a:p>
+            <a:pPr lvl="1"/>
+            <a:r>
+              <a:rPr lang="en-US" dirty="0">
+                <a:solidFill>
                   <a:srgbClr val="E46C0A"/>
                 </a:solidFill>
               </a:rPr>
-              <a:t>classes</a:t>
+              <a:t>concrete classes</a:t>
             </a:r>
             <a:r>
               <a:rPr lang="en-US" dirty="0"/>
@@ -12146,7 +12163,21 @@
                 <a:latin typeface="Consolas"/>
                 <a:cs typeface="Consolas"/>
               </a:rPr>
-              <a:t>/* throwing exception on error */</a:t>
+              <a:t>/* </a:t>
+            </a:r>
+            <a:r>
+              <a:rPr lang="en-US" sz="2600" b="1" dirty="0">
+                <a:latin typeface="Consolas"/>
+                <a:cs typeface="Consolas"/>
+              </a:rPr>
+              <a:t>not throwing </a:t>
+            </a:r>
+            <a:r>
+              <a:rPr lang="en-US" sz="2600" dirty="0">
+                <a:latin typeface="Consolas"/>
+                <a:cs typeface="Consolas"/>
+              </a:rPr>
+              <a:t>exception on error */</a:t>
             </a:r>
           </a:p>
           <a:p>
@@ -12223,7 +12254,7 @@
                 <a:latin typeface="Consolas"/>
                 <a:cs typeface="Consolas"/>
               </a:rPr>
-              <a:t>not throwing </a:t>
+              <a:t>throwing </a:t>
             </a:r>
             <a:r>
               <a:rPr lang="en-US" sz="2600" dirty="0">
@@ -17118,7 +17149,7 @@
                 <a:latin typeface="Consolas"/>
                 <a:cs typeface="Consolas"/>
               </a:rPr>
-              <a:t>; </a:t>
+              <a:t>(); </a:t>
             </a:r>
             <a:r>
               <a:rPr lang="en-US" sz="1800" dirty="0" err="1">
